--- a/论文报告模板.pptx
+++ b/论文报告模板.pptx
@@ -12,12 +12,11 @@
     <p:sldId id="257" r:id="rId4"/>
     <p:sldId id="275" r:id="rId6"/>
     <p:sldId id="276" r:id="rId7"/>
-    <p:sldId id="277" r:id="rId8"/>
-    <p:sldId id="278" r:id="rId9"/>
-    <p:sldId id="279" r:id="rId10"/>
-    <p:sldId id="280" r:id="rId11"/>
-    <p:sldId id="265" r:id="rId12"/>
-    <p:sldId id="264" r:id="rId13"/>
+    <p:sldId id="278" r:id="rId8"/>
+    <p:sldId id="279" r:id="rId9"/>
+    <p:sldId id="280" r:id="rId10"/>
+    <p:sldId id="265" r:id="rId11"/>
+    <p:sldId id="264" r:id="rId12"/>
   </p:sldIdLst>
   <p:sldSz cx="12192000" cy="6858000"/>
   <p:notesSz cx="6858000" cy="9144000"/>
@@ -8621,102 +8620,6 @@
 </p:sld>
 </file>
 
-<file path=ppt/slides/slide10.xml><?xml version="1.0" encoding="utf-8"?>
-<p:sld xmlns:a="http://schemas.openxmlformats.org/drawingml/2006/main" xmlns:r="http://schemas.openxmlformats.org/officeDocument/2006/relationships" xmlns:p="http://schemas.openxmlformats.org/presentationml/2006/main">
-  <p:cSld>
-    <p:spTree>
-      <p:nvGrpSpPr>
-        <p:cNvPr id="1" name=""/>
-        <p:cNvGrpSpPr/>
-        <p:nvPr/>
-      </p:nvGrpSpPr>
-      <p:grpSpPr>
-        <a:xfrm>
-          <a:off x="0" y="0"/>
-          <a:ext cx="0" cy="0"/>
-          <a:chOff x="0" y="0"/>
-          <a:chExt cx="0" cy="0"/>
-        </a:xfrm>
-      </p:grpSpPr>
-      <p:sp>
-        <p:nvSpPr>
-          <p:cNvPr id="11266" name="Rectangle 2"/>
-          <p:cNvSpPr>
-            <a:spLocks noGrp="1" noChangeArrowheads="1"/>
-          </p:cNvSpPr>
-          <p:nvPr>
-            <p:ph type="title"/>
-          </p:nvPr>
-        </p:nvSpPr>
-        <p:spPr>
-          <a:xfrm>
-            <a:off x="839788" y="692150"/>
-            <a:ext cx="8121650" cy="647700"/>
-          </a:xfrm>
-        </p:spPr>
-        <p:txBody>
-          <a:bodyPr/>
-          <a:lstStyle/>
-          <a:p>
-            <a:pPr eaLnBrk="1" hangingPunct="1">
-              <a:defRPr/>
-            </a:pPr>
-            <a:r>
-              <a:rPr lang="en-US" altLang="zh-CN" smtClean="0"/>
-              <a:t>Q&amp;A</a:t>
-            </a:r>
-            <a:endParaRPr lang="zh-CN" altLang="en-US" smtClean="0"/>
-          </a:p>
-        </p:txBody>
-      </p:sp>
-      <p:sp>
-        <p:nvSpPr>
-          <p:cNvPr id="11267" name="Rectangle 3"/>
-          <p:cNvSpPr>
-            <a:spLocks noGrp="1" noChangeArrowheads="1"/>
-          </p:cNvSpPr>
-          <p:nvPr>
-            <p:ph type="body" idx="1"/>
-          </p:nvPr>
-        </p:nvSpPr>
-        <p:spPr>
-          <a:xfrm>
-            <a:off x="609600" y="2636838"/>
-            <a:ext cx="10972800" cy="1655762"/>
-          </a:xfrm>
-        </p:spPr>
-        <p:txBody>
-          <a:bodyPr/>
-          <a:lstStyle/>
-          <a:p>
-            <a:pPr marL="0" indent="0" algn="ctr" eaLnBrk="1" hangingPunct="1">
-              <a:buFont typeface="Wingdings" panose="05000000000000000000" pitchFamily="2" charset="2"/>
-              <a:buNone/>
-              <a:defRPr/>
-            </a:pPr>
-            <a:r>
-              <a:rPr lang="zh-CN" altLang="en-US" sz="4800" smtClean="0"/>
-              <a:t>谢 谢！</a:t>
-            </a:r>
-            <a:endParaRPr lang="zh-CN" altLang="en-US" sz="4800" smtClean="0"/>
-          </a:p>
-        </p:txBody>
-      </p:sp>
-    </p:spTree>
-  </p:cSld>
-  <p:clrMapOvr>
-    <a:masterClrMapping/>
-  </p:clrMapOvr>
-  <p:timing>
-    <p:tnLst>
-      <p:par>
-        <p:cTn id="1" dur="indefinite" restart="never" nodeType="tmRoot"/>
-      </p:par>
-    </p:tnLst>
-  </p:timing>
-</p:sld>
-</file>
-
 <file path=ppt/slides/slide2.xml><?xml version="1.0" encoding="utf-8"?>
 <p:sld xmlns:a="http://schemas.openxmlformats.org/drawingml/2006/main" xmlns:r="http://schemas.openxmlformats.org/officeDocument/2006/relationships" xmlns:p="http://schemas.openxmlformats.org/presentationml/2006/main">
   <p:cSld>
@@ -8974,7 +8877,31 @@
             </a:r>
             <a:r>
               <a:rPr lang="en-US" altLang="zh-CN" dirty="0"/>
-              <a:t>旨在实现所需的未来容量增长标准化的动机正在3GPP上进行，以使蜂窝移动网络能够在未经许可的2.4和5GHz频谱上运行</a:t>
+              <a:t>旨在</a:t>
+            </a:r>
+            <a:r>
+              <a:rPr lang="zh-CN" altLang="en-US" dirty="0"/>
+              <a:t>以</a:t>
+            </a:r>
+            <a:r>
+              <a:rPr lang="en-US" altLang="zh-CN" dirty="0"/>
+              <a:t>实现所需的未来容量增长标准化</a:t>
+            </a:r>
+            <a:r>
+              <a:rPr lang="zh-CN" altLang="en-US" dirty="0"/>
+              <a:t>为</a:t>
+            </a:r>
+            <a:r>
+              <a:rPr lang="en-US" altLang="zh-CN" dirty="0"/>
+              <a:t>动机</a:t>
+            </a:r>
+            <a:r>
+              <a:rPr lang="zh-CN" altLang="en-US" dirty="0"/>
+              <a:t>，</a:t>
+            </a:r>
+            <a:r>
+              <a:rPr lang="en-US" altLang="zh-CN" dirty="0"/>
+              <a:t>在3GPP上使蜂窝移动网络能够在未经许可的2.4和5GHz频谱上运行</a:t>
             </a:r>
             <a:r>
               <a:rPr lang="zh-CN" altLang="en-US" dirty="0"/>
@@ -8985,14 +8912,14 @@
           <a:p>
             <a:r>
               <a:rPr lang="en-US" altLang="zh-CN" dirty="0"/>
-              <a:t>3.ns-3通过将运行实际应用程序和网络协议代码的能力与“灵活性”以及在受控网络环境中进行仿真的能力相结合，从而避免重复的工作。</a:t>
+              <a:t>3.ns-3通过将运行实际应用程序和网络协议代码的能力与“灵活性”以及在受控网络环境中进行仿真的能力相结合，从而避免重复的工作</a:t>
             </a:r>
             <a:endParaRPr lang="zh-CN" altLang="en-US" dirty="0"/>
           </a:p>
           <a:p>
             <a:r>
               <a:rPr lang="en-US" altLang="zh-CN" dirty="0"/>
-              <a:t>4.本文介绍了LWA和LWIP协议的设计细节，并介绍ns-3中的第一 个ns-3LWA和LWIP实现。特别是，这项工作着重于不同 ns-3 模块和不同技术协议的适配和并发使用，以支持这些互通方案。</a:t>
+              <a:t>4.本文介绍了LWA和LWIP协议的设计细节，并介绍ns-3中的第一 个ns-3LWA和LWIP实现。特别是，这项工作着重于不同 ns-3模块和不同技术协议的适配和并发使用，以支持这些互通方案。</a:t>
             </a:r>
             <a:endParaRPr lang="en-US" altLang="zh-CN" dirty="0"/>
           </a:p>
@@ -9082,7 +9009,7 @@
           <a:p>
             <a:r>
               <a:rPr lang="zh-CN" altLang="en-US" dirty="0"/>
-              <a:t>在这项工作中，我们在 ns-3中介绍 了LWA和LWIP协议的实现细节，以满足上述要求。</a:t>
+              <a:t>在这项工作中，我们在 ns-3中介绍了LWA和LWIP协议的实现细节，以满足上述要求。</a:t>
             </a:r>
             <a:endParaRPr lang="zh-CN" altLang="en-US" dirty="0"/>
           </a:p>
@@ -9123,16 +9050,21 @@
             <p:ph type="title"/>
           </p:nvPr>
         </p:nvSpPr>
-        <p:spPr/>
+        <p:spPr>
+          <a:xfrm>
+            <a:off x="623392" y="687909"/>
+            <a:ext cx="10153128" cy="647700"/>
+          </a:xfrm>
+        </p:spPr>
         <p:txBody>
           <a:bodyPr/>
           <a:lstStyle/>
           <a:p>
             <a:r>
-              <a:rPr lang="zh-CN" altLang="en-US" dirty="0"/>
-              <a:t>作者的想法是什么？（亮剑贡献）</a:t>
-            </a:r>
-            <a:endParaRPr lang="zh-CN" altLang="en-US" dirty="0"/>
+              <a:rPr lang="zh-CN" altLang="en-US" sz="3200" dirty="0"/>
+              <a:t>作者的想法与其他人的工作有什么不同？存在什么技术难度？（创新性论述）</a:t>
+            </a:r>
+            <a:endParaRPr lang="zh-CN" altLang="en-US" sz="3200" dirty="0"/>
           </a:p>
         </p:txBody>
       </p:sp>
@@ -9146,22 +9078,19 @@
             <p:ph idx="1"/>
           </p:nvPr>
         </p:nvSpPr>
-        <p:spPr/>
+        <p:spPr>
+          <a:xfrm>
+            <a:off x="609600" y="1700808"/>
+            <a:ext cx="10972800" cy="4896842"/>
+          </a:xfrm>
+        </p:spPr>
         <p:txBody>
           <a:bodyPr/>
           <a:lstStyle/>
           <a:p>
             <a:r>
               <a:rPr lang="zh-CN" altLang="en-US" dirty="0"/>
-              <a:t>（提示：作者是否提供了示意图，简述其基本思路，表述方法核心模块，例如核心算</a:t>
-            </a:r>
-            <a:r>
-              <a:rPr lang="en-US" altLang="zh-CN" dirty="0"/>
-              <a:t>	</a:t>
-            </a:r>
-            <a:r>
-              <a:rPr lang="zh-CN" altLang="en-US" dirty="0"/>
-              <a:t>法等细节？）</a:t>
+              <a:t>（提示：作者是怎样阐述论文创新点，这篇论文是从哪个层次进行论述创新，问题创新、方法创新、技巧创新、工具创新等？）</a:t>
             </a:r>
             <a:endParaRPr lang="zh-CN" altLang="en-US" dirty="0"/>
           </a:p>
@@ -9205,7 +9134,7 @@
         <p:spPr>
           <a:xfrm>
             <a:off x="623392" y="687909"/>
-            <a:ext cx="10153128" cy="647700"/>
+            <a:ext cx="10369152" cy="647700"/>
           </a:xfrm>
         </p:spPr>
         <p:txBody>
@@ -9214,7 +9143,7 @@
           <a:p>
             <a:r>
               <a:rPr lang="zh-CN" altLang="en-US" sz="3200" dirty="0"/>
-              <a:t>作者的想法与其他人的工作有什么不同？存在什么技术难度？（创新性论述）</a:t>
+              <a:t>作者设计了什么实验验证想法？评价指标怎样定义？对标什么方法？（研究设计）</a:t>
             </a:r>
             <a:endParaRPr lang="zh-CN" altLang="en-US" sz="3200" dirty="0"/>
           </a:p>
@@ -9242,9 +9171,30 @@
           <a:p>
             <a:r>
               <a:rPr lang="zh-CN" altLang="en-US" dirty="0"/>
-              <a:t>（提示：作者是怎样阐述论文创新点，这篇论文是从哪个层次进行论述创新，问题创新、方法创新、技巧创新、工具创新等？）</a:t>
+              <a:t>评估了通过使用 LWA 和 LWIP 所获得的总容量，以及它们如何在效率和与附近具有 Wi-Fi 干扰网络相关的不同 影响方面进行比较。</a:t>
             </a:r>
             <a:endParaRPr lang="zh-CN" altLang="en-US" dirty="0"/>
+          </a:p>
+          <a:p>
+            <a:r>
+              <a:rPr lang="zh-CN" altLang="en-US" dirty="0"/>
+              <a:t>比较了未许可频谱中 LWA 和 LWIP 的效率；</a:t>
+            </a:r>
+            <a:endParaRPr lang="zh-CN" altLang="en-US" dirty="0"/>
+          </a:p>
+          <a:p>
+            <a:r>
+              <a:rPr lang="zh-CN" altLang="en-US" dirty="0"/>
+              <a:t>评估具有 Wi-Fi 网络干扰 LWA 和 LWIP 链路的影响，并分析 Wi-Fi 网络 中上行链路传输数量增加的影响；</a:t>
+            </a:r>
+            <a:endParaRPr lang="zh-CN" altLang="en-US" dirty="0"/>
+          </a:p>
+          <a:p>
+            <a:r>
+              <a:rPr lang="en-US" altLang="zh-CN" dirty="0"/>
+              <a:t>评估了具有 Wi-Fi 网络干扰源的影响，并通过增加两个网络(Wi-Fi 和 LWA 链路)之间的距离以及通过增加两个网络之间的距离来分析干扰的影响如何变 化。</a:t>
+            </a:r>
+            <a:endParaRPr lang="en-US" altLang="zh-CN" dirty="0"/>
           </a:p>
         </p:txBody>
       </p:sp>
@@ -9286,83 +9236,6 @@
         <p:spPr>
           <a:xfrm>
             <a:off x="623392" y="687909"/>
-            <a:ext cx="10369152" cy="647700"/>
-          </a:xfrm>
-        </p:spPr>
-        <p:txBody>
-          <a:bodyPr/>
-          <a:lstStyle/>
-          <a:p>
-            <a:r>
-              <a:rPr lang="zh-CN" altLang="en-US" sz="3200" dirty="0"/>
-              <a:t>作者设计了什么实验验证想法？评价指标怎样定义？对标什么方法？（研究设计）</a:t>
-            </a:r>
-            <a:endParaRPr lang="zh-CN" altLang="en-US" sz="3200" dirty="0"/>
-          </a:p>
-        </p:txBody>
-      </p:sp>
-      <p:sp>
-        <p:nvSpPr>
-          <p:cNvPr id="3" name="内容占位符 2"/>
-          <p:cNvSpPr>
-            <a:spLocks noGrp="1"/>
-          </p:cNvSpPr>
-          <p:nvPr>
-            <p:ph idx="1"/>
-          </p:nvPr>
-        </p:nvSpPr>
-        <p:spPr>
-          <a:xfrm>
-            <a:off x="609600" y="1700808"/>
-            <a:ext cx="10972800" cy="4896842"/>
-          </a:xfrm>
-        </p:spPr>
-        <p:txBody>
-          <a:bodyPr/>
-          <a:lstStyle/>
-          <a:p>
-            <a:endParaRPr lang="zh-CN" altLang="en-US" dirty="0"/>
-          </a:p>
-        </p:txBody>
-      </p:sp>
-    </p:spTree>
-  </p:cSld>
-  <p:clrMapOvr>
-    <a:masterClrMapping/>
-  </p:clrMapOvr>
-</p:sld>
-</file>
-
-<file path=ppt/slides/slide8.xml><?xml version="1.0" encoding="utf-8"?>
-<p:sld xmlns:a="http://schemas.openxmlformats.org/drawingml/2006/main" xmlns:r="http://schemas.openxmlformats.org/officeDocument/2006/relationships" xmlns:p="http://schemas.openxmlformats.org/presentationml/2006/main">
-  <p:cSld>
-    <p:spTree>
-      <p:nvGrpSpPr>
-        <p:cNvPr id="1" name=""/>
-        <p:cNvGrpSpPr/>
-        <p:nvPr/>
-      </p:nvGrpSpPr>
-      <p:grpSpPr>
-        <a:xfrm>
-          <a:off x="0" y="0"/>
-          <a:ext cx="0" cy="0"/>
-          <a:chOff x="0" y="0"/>
-          <a:chExt cx="0" cy="0"/>
-        </a:xfrm>
-      </p:grpSpPr>
-      <p:sp>
-        <p:nvSpPr>
-          <p:cNvPr id="2" name="标题 1"/>
-          <p:cNvSpPr>
-            <a:spLocks noGrp="1"/>
-          </p:cNvSpPr>
-          <p:nvPr>
-            <p:ph type="title"/>
-          </p:nvPr>
-        </p:nvSpPr>
-        <p:spPr>
-          <a:xfrm>
-            <a:off x="623392" y="687909"/>
             <a:ext cx="10225136" cy="647700"/>
           </a:xfrm>
         </p:spPr>
@@ -9393,6 +9266,24 @@
           <a:bodyPr/>
           <a:lstStyle/>
           <a:p>
+            <a:r>
+              <a:rPr lang="zh-CN" altLang="en-US"/>
+              <a:t>提供了这两种技术的详细信息，并提供了实现的不同方面 的分步说明，并通过仿真结果对其进行了验证。</a:t>
+            </a:r>
+            <a:endParaRPr lang="zh-CN" altLang="en-US"/>
+          </a:p>
+          <a:p>
+            <a:r>
+              <a:rPr lang="zh-CN" altLang="en-US"/>
+              <a:t>分析了饱和条件下 LWA 和 LWIP 实施的效率。</a:t>
+            </a:r>
+            <a:endParaRPr lang="zh-CN" altLang="en-US"/>
+          </a:p>
+          <a:p>
+            <a:r>
+              <a:rPr lang="zh-CN" altLang="en-US"/>
+              <a:t>在没有干扰的情况下，LTE-WLAN互通方案的总容量将大大增加。</a:t>
+            </a:r>
             <a:endParaRPr lang="zh-CN" altLang="en-US"/>
           </a:p>
         </p:txBody>
@@ -9405,7 +9296,7 @@
 </p:sld>
 </file>
 
-<file path=ppt/slides/slide9.xml><?xml version="1.0" encoding="utf-8"?>
+<file path=ppt/slides/slide8.xml><?xml version="1.0" encoding="utf-8"?>
 <p:sld xmlns:a="http://schemas.openxmlformats.org/drawingml/2006/main" xmlns:r="http://schemas.openxmlformats.org/officeDocument/2006/relationships" xmlns:p="http://schemas.openxmlformats.org/presentationml/2006/main">
   <p:cSld>
     <p:spTree>
@@ -9562,6 +9453,102 @@
               <a:t>ns-3项目。 网络模拟器-ns-3。www.nsnam.org</a:t>
             </a:r>
             <a:endParaRPr sz="2000" dirty="0"/>
+          </a:p>
+        </p:txBody>
+      </p:sp>
+    </p:spTree>
+  </p:cSld>
+  <p:clrMapOvr>
+    <a:masterClrMapping/>
+  </p:clrMapOvr>
+  <p:timing>
+    <p:tnLst>
+      <p:par>
+        <p:cTn id="1" dur="indefinite" restart="never" nodeType="tmRoot"/>
+      </p:par>
+    </p:tnLst>
+  </p:timing>
+</p:sld>
+</file>
+
+<file path=ppt/slides/slide9.xml><?xml version="1.0" encoding="utf-8"?>
+<p:sld xmlns:a="http://schemas.openxmlformats.org/drawingml/2006/main" xmlns:r="http://schemas.openxmlformats.org/officeDocument/2006/relationships" xmlns:p="http://schemas.openxmlformats.org/presentationml/2006/main">
+  <p:cSld>
+    <p:spTree>
+      <p:nvGrpSpPr>
+        <p:cNvPr id="1" name=""/>
+        <p:cNvGrpSpPr/>
+        <p:nvPr/>
+      </p:nvGrpSpPr>
+      <p:grpSpPr>
+        <a:xfrm>
+          <a:off x="0" y="0"/>
+          <a:ext cx="0" cy="0"/>
+          <a:chOff x="0" y="0"/>
+          <a:chExt cx="0" cy="0"/>
+        </a:xfrm>
+      </p:grpSpPr>
+      <p:sp>
+        <p:nvSpPr>
+          <p:cNvPr id="11266" name="Rectangle 2"/>
+          <p:cNvSpPr>
+            <a:spLocks noGrp="1" noChangeArrowheads="1"/>
+          </p:cNvSpPr>
+          <p:nvPr>
+            <p:ph type="title"/>
+          </p:nvPr>
+        </p:nvSpPr>
+        <p:spPr>
+          <a:xfrm>
+            <a:off x="839788" y="692150"/>
+            <a:ext cx="8121650" cy="647700"/>
+          </a:xfrm>
+        </p:spPr>
+        <p:txBody>
+          <a:bodyPr/>
+          <a:lstStyle/>
+          <a:p>
+            <a:pPr eaLnBrk="1" hangingPunct="1">
+              <a:defRPr/>
+            </a:pPr>
+            <a:r>
+              <a:rPr lang="en-US" altLang="zh-CN" smtClean="0"/>
+              <a:t>Q&amp;A</a:t>
+            </a:r>
+            <a:endParaRPr lang="zh-CN" altLang="en-US" smtClean="0"/>
+          </a:p>
+        </p:txBody>
+      </p:sp>
+      <p:sp>
+        <p:nvSpPr>
+          <p:cNvPr id="11267" name="Rectangle 3"/>
+          <p:cNvSpPr>
+            <a:spLocks noGrp="1" noChangeArrowheads="1"/>
+          </p:cNvSpPr>
+          <p:nvPr>
+            <p:ph type="body" idx="1"/>
+          </p:nvPr>
+        </p:nvSpPr>
+        <p:spPr>
+          <a:xfrm>
+            <a:off x="609600" y="2636838"/>
+            <a:ext cx="10972800" cy="1655762"/>
+          </a:xfrm>
+        </p:spPr>
+        <p:txBody>
+          <a:bodyPr/>
+          <a:lstStyle/>
+          <a:p>
+            <a:pPr marL="0" indent="0" algn="ctr" eaLnBrk="1" hangingPunct="1">
+              <a:buFont typeface="Wingdings" panose="05000000000000000000" pitchFamily="2" charset="2"/>
+              <a:buNone/>
+              <a:defRPr/>
+            </a:pPr>
+            <a:r>
+              <a:rPr lang="zh-CN" altLang="en-US" sz="4800" smtClean="0"/>
+              <a:t>谢 谢！</a:t>
+            </a:r>
+            <a:endParaRPr lang="zh-CN" altLang="en-US" sz="4800" smtClean="0"/>
           </a:p>
         </p:txBody>
       </p:sp>
